--- a/2. Web Development and Database/Day 12/Slides/7. Working with a CallableStatement/working-with-a-callable-statement-slides.pptx
+++ b/2. Web Development and Database/Day 12/Slides/7. Working with a CallableStatement/working-with-a-callable-statement-slides.pptx
@@ -16033,20 +16033,12 @@
               <a:t> </a:t>
             </a:r>
             <a:r>
-              <a:rPr sz="3400" spc="-10" dirty="0">
-                <a:solidFill>
-                  <a:srgbClr val="F15B2A"/>
-                </a:solidFill>
-              </a:rPr>
-              <a:t>four</a:t>
-            </a:r>
-            <a:r>
-              <a:rPr sz="3400" spc="-60" dirty="0">
-                <a:solidFill>
-                  <a:srgbClr val="F15B2A"/>
-                </a:solidFill>
-              </a:rPr>
-              <a:t> </a:t>
+              <a:rPr lang="en-US" sz="3400" spc="-10" dirty="0">
+                <a:solidFill>
+                  <a:srgbClr val="F15B2A"/>
+                </a:solidFill>
+              </a:rPr>
+              <a:t>five </a:t>
             </a:r>
             <a:r>
               <a:rPr sz="3400" spc="-5" dirty="0">
@@ -16199,8 +16191,8 @@
         </p:nvSpPr>
         <p:spPr>
           <a:xfrm>
-            <a:off x="7686040" y="3731259"/>
-            <a:ext cx="7825740" cy="2272030"/>
+            <a:off x="7686040" y="3731260"/>
+            <a:ext cx="9459595" cy="3154680"/>
           </a:xfrm>
           <a:prstGeom prst="rect">
             <a:avLst/>
@@ -16578,7 +16570,40 @@
               </a:rPr>
               <a:t>price</a:t>
             </a:r>
-            <a:endParaRPr sz="3400">
+            <a:endParaRPr sz="3400" b="1" spc="15" dirty="0">
+              <a:solidFill>
+                <a:srgbClr val="F15B2A"/>
+              </a:solidFill>
+              <a:latin typeface="Arial" panose="020B0604020202020204"/>
+              <a:cs typeface="Arial" panose="020B0604020202020204"/>
+            </a:endParaRPr>
+          </a:p>
+          <a:p>
+            <a:pPr marL="12700" algn="l">
+              <a:lnSpc>
+                <a:spcPct val="100000"/>
+              </a:lnSpc>
+              <a:spcBef>
+                <a:spcPts val="2735"/>
+              </a:spcBef>
+              <a:buClrTx/>
+              <a:buSzTx/>
+              <a:buFontTx/>
+            </a:pPr>
+            <a:r>
+              <a:rPr sz="3400" b="1" spc="100" dirty="0">
+                <a:solidFill>
+                  <a:srgbClr val="F15B2A"/>
+                </a:solidFill>
+                <a:latin typeface="Arial" panose="020B0604020202020204"/>
+                <a:cs typeface="Arial" panose="020B0604020202020204"/>
+              </a:rPr>
+              <a:t>Declare an Exit Handler for exceptions</a:t>
+            </a:r>
+            <a:endParaRPr sz="3400" b="1" spc="100" dirty="0">
+              <a:solidFill>
+                <a:srgbClr val="F15B2A"/>
+              </a:solidFill>
               <a:latin typeface="Arial" panose="020B0604020202020204"/>
               <a:cs typeface="Arial" panose="020B0604020202020204"/>
             </a:endParaRPr>
